--- a/figure_intro.pptx
+++ b/figure_intro.pptx
@@ -6,6 +6,7 @@
   </p:sldMasterIdLst>
   <p:sldIdLst>
     <p:sldId id="256" r:id="rId2"/>
+    <p:sldId id="258" r:id="rId3"/>
   </p:sldIdLst>
   <p:sldSz cx="12192000" cy="6858000"/>
   <p:notesSz cx="6858000" cy="9144000"/>
@@ -104,6 +105,11 @@
       </a:defRPr>
     </a:lvl9pPr>
   </p:defaultTextStyle>
+  <p:extLst>
+    <p:ext uri="{EFAFB233-063F-42B5-8137-9DF3F51BA10A}">
+      <p15:sldGuideLst xmlns:p15="http://schemas.microsoft.com/office/powerpoint/2012/main"/>
+    </p:ext>
+  </p:extLst>
 </p:presentation>
 </file>
 
@@ -256,7 +262,7 @@
           <a:p>
             <a:fld id="{35929009-CE73-4BCD-B7B7-2E308A2FD4E6}" type="datetimeFigureOut">
               <a:rPr lang="en-US" smtClean="0"/>
-              <a:t>5/14/2022</a:t>
+              <a:t>5/19/2022</a:t>
             </a:fld>
             <a:endParaRPr lang="en-US"/>
           </a:p>
@@ -456,7 +462,7 @@
           <a:p>
             <a:fld id="{35929009-CE73-4BCD-B7B7-2E308A2FD4E6}" type="datetimeFigureOut">
               <a:rPr lang="en-US" smtClean="0"/>
-              <a:t>5/14/2022</a:t>
+              <a:t>5/19/2022</a:t>
             </a:fld>
             <a:endParaRPr lang="en-US"/>
           </a:p>
@@ -666,7 +672,7 @@
           <a:p>
             <a:fld id="{35929009-CE73-4BCD-B7B7-2E308A2FD4E6}" type="datetimeFigureOut">
               <a:rPr lang="en-US" smtClean="0"/>
-              <a:t>5/14/2022</a:t>
+              <a:t>5/19/2022</a:t>
             </a:fld>
             <a:endParaRPr lang="en-US"/>
           </a:p>
@@ -866,7 +872,7 @@
           <a:p>
             <a:fld id="{35929009-CE73-4BCD-B7B7-2E308A2FD4E6}" type="datetimeFigureOut">
               <a:rPr lang="en-US" smtClean="0"/>
-              <a:t>5/14/2022</a:t>
+              <a:t>5/19/2022</a:t>
             </a:fld>
             <a:endParaRPr lang="en-US"/>
           </a:p>
@@ -1142,7 +1148,7 @@
           <a:p>
             <a:fld id="{35929009-CE73-4BCD-B7B7-2E308A2FD4E6}" type="datetimeFigureOut">
               <a:rPr lang="en-US" smtClean="0"/>
-              <a:t>5/14/2022</a:t>
+              <a:t>5/19/2022</a:t>
             </a:fld>
             <a:endParaRPr lang="en-US"/>
           </a:p>
@@ -1410,7 +1416,7 @@
           <a:p>
             <a:fld id="{35929009-CE73-4BCD-B7B7-2E308A2FD4E6}" type="datetimeFigureOut">
               <a:rPr lang="en-US" smtClean="0"/>
-              <a:t>5/14/2022</a:t>
+              <a:t>5/19/2022</a:t>
             </a:fld>
             <a:endParaRPr lang="en-US"/>
           </a:p>
@@ -1825,7 +1831,7 @@
           <a:p>
             <a:fld id="{35929009-CE73-4BCD-B7B7-2E308A2FD4E6}" type="datetimeFigureOut">
               <a:rPr lang="en-US" smtClean="0"/>
-              <a:t>5/14/2022</a:t>
+              <a:t>5/19/2022</a:t>
             </a:fld>
             <a:endParaRPr lang="en-US"/>
           </a:p>
@@ -1967,7 +1973,7 @@
           <a:p>
             <a:fld id="{35929009-CE73-4BCD-B7B7-2E308A2FD4E6}" type="datetimeFigureOut">
               <a:rPr lang="en-US" smtClean="0"/>
-              <a:t>5/14/2022</a:t>
+              <a:t>5/19/2022</a:t>
             </a:fld>
             <a:endParaRPr lang="en-US"/>
           </a:p>
@@ -2080,7 +2086,7 @@
           <a:p>
             <a:fld id="{35929009-CE73-4BCD-B7B7-2E308A2FD4E6}" type="datetimeFigureOut">
               <a:rPr lang="en-US" smtClean="0"/>
-              <a:t>5/14/2022</a:t>
+              <a:t>5/19/2022</a:t>
             </a:fld>
             <a:endParaRPr lang="en-US"/>
           </a:p>
@@ -2393,7 +2399,7 @@
           <a:p>
             <a:fld id="{35929009-CE73-4BCD-B7B7-2E308A2FD4E6}" type="datetimeFigureOut">
               <a:rPr lang="en-US" smtClean="0"/>
-              <a:t>5/14/2022</a:t>
+              <a:t>5/19/2022</a:t>
             </a:fld>
             <a:endParaRPr lang="en-US"/>
           </a:p>
@@ -2682,7 +2688,7 @@
           <a:p>
             <a:fld id="{35929009-CE73-4BCD-B7B7-2E308A2FD4E6}" type="datetimeFigureOut">
               <a:rPr lang="en-US" smtClean="0"/>
-              <a:t>5/14/2022</a:t>
+              <a:t>5/19/2022</a:t>
             </a:fld>
             <a:endParaRPr lang="en-US"/>
           </a:p>
@@ -2930,7 +2936,7 @@
           <a:p>
             <a:fld id="{35929009-CE73-4BCD-B7B7-2E308A2FD4E6}" type="datetimeFigureOut">
               <a:rPr lang="en-US" smtClean="0"/>
-              <a:t>5/14/2022</a:t>
+              <a:t>5/19/2022</a:t>
             </a:fld>
             <a:endParaRPr lang="en-US"/>
           </a:p>
@@ -3347,391 +3353,12 @@
           <a:chExt cx="0" cy="0"/>
         </a:xfrm>
       </p:grpSpPr>
-      <p:cxnSp>
-        <p:nvCxnSpPr>
-          <p:cNvPr id="12" name="Connecteur droit avec flèche 11">
-            <a:extLst>
-              <a:ext uri="{FF2B5EF4-FFF2-40B4-BE49-F238E27FC236}">
-                <a16:creationId xmlns:a16="http://schemas.microsoft.com/office/drawing/2014/main" id="{3F652A17-EFFB-441B-A75E-0CF215AD72CA}"/>
-              </a:ext>
-            </a:extLst>
-          </p:cNvPr>
-          <p:cNvCxnSpPr>
-            <a:stCxn id="8" idx="3"/>
-            <a:endCxn id="4" idx="1"/>
-          </p:cNvCxnSpPr>
-          <p:nvPr/>
-        </p:nvCxnSpPr>
-        <p:spPr>
-          <a:xfrm flipV="1">
-            <a:off x="1946177" y="2790145"/>
-            <a:ext cx="521623" cy="2097"/>
-          </a:xfrm>
-          <a:prstGeom prst="straightConnector1">
-            <a:avLst/>
-          </a:prstGeom>
-          <a:ln w="19050">
-            <a:solidFill>
-              <a:schemeClr val="tx1"/>
-            </a:solidFill>
-            <a:tailEnd type="triangle"/>
-          </a:ln>
-        </p:spPr>
-        <p:style>
-          <a:lnRef idx="1">
-            <a:schemeClr val="accent1"/>
-          </a:lnRef>
-          <a:fillRef idx="0">
-            <a:schemeClr val="accent1"/>
-          </a:fillRef>
-          <a:effectRef idx="0">
-            <a:schemeClr val="accent1"/>
-          </a:effectRef>
-          <a:fontRef idx="minor">
-            <a:schemeClr val="tx1"/>
-          </a:fontRef>
-        </p:style>
-      </p:cxnSp>
-      <p:cxnSp>
-        <p:nvCxnSpPr>
-          <p:cNvPr id="14" name="Connecteur droit avec flèche 13">
-            <a:extLst>
-              <a:ext uri="{FF2B5EF4-FFF2-40B4-BE49-F238E27FC236}">
-                <a16:creationId xmlns:a16="http://schemas.microsoft.com/office/drawing/2014/main" id="{4FCF3AAE-18A1-471F-AEF7-1EDFD195AFC2}"/>
-              </a:ext>
-            </a:extLst>
-          </p:cNvPr>
-          <p:cNvCxnSpPr>
-            <a:stCxn id="4" idx="3"/>
-            <a:endCxn id="10" idx="1"/>
-          </p:cNvCxnSpPr>
-          <p:nvPr/>
-        </p:nvCxnSpPr>
-        <p:spPr>
-          <a:xfrm>
-            <a:off x="4347400" y="2790145"/>
-            <a:ext cx="650411" cy="2520"/>
-          </a:xfrm>
-          <a:prstGeom prst="straightConnector1">
-            <a:avLst/>
-          </a:prstGeom>
-          <a:ln w="19050">
-            <a:solidFill>
-              <a:schemeClr val="tx1"/>
-            </a:solidFill>
-            <a:tailEnd type="triangle"/>
-          </a:ln>
-        </p:spPr>
-        <p:style>
-          <a:lnRef idx="1">
-            <a:schemeClr val="accent1"/>
-          </a:lnRef>
-          <a:fillRef idx="0">
-            <a:schemeClr val="accent1"/>
-          </a:fillRef>
-          <a:effectRef idx="0">
-            <a:schemeClr val="accent1"/>
-          </a:effectRef>
-          <a:fontRef idx="minor">
-            <a:schemeClr val="tx1"/>
-          </a:fontRef>
-        </p:style>
-      </p:cxnSp>
-      <p:pic>
-        <p:nvPicPr>
-          <p:cNvPr id="23" name="Image 22">
-            <a:extLst>
-              <a:ext uri="{FF2B5EF4-FFF2-40B4-BE49-F238E27FC236}">
-                <a16:creationId xmlns:a16="http://schemas.microsoft.com/office/drawing/2014/main" id="{A0E37E30-84D1-45F5-8400-8375866B0EDD}"/>
-              </a:ext>
-            </a:extLst>
-          </p:cNvPr>
-          <p:cNvPicPr>
-            <a:picLocks noChangeAspect="1"/>
-          </p:cNvPicPr>
-          <p:nvPr/>
-        </p:nvPicPr>
-        <p:blipFill rotWithShape="1">
-          <a:blip r:embed="rId2">
-            <a:extLst>
-              <a:ext uri="{28A0092B-C50C-407E-A947-70E740481C1C}">
-                <a14:useLocalDpi xmlns:a14="http://schemas.microsoft.com/office/drawing/2010/main" val="0"/>
-              </a:ext>
-            </a:extLst>
-          </a:blip>
-          <a:srcRect r="67167"/>
-          <a:stretch/>
-        </p:blipFill>
-        <p:spPr>
-          <a:xfrm>
-            <a:off x="7706100" y="62010"/>
-            <a:ext cx="2324988" cy="1770294"/>
-          </a:xfrm>
-          <a:prstGeom prst="rect">
-            <a:avLst/>
-          </a:prstGeom>
-        </p:spPr>
-      </p:pic>
-      <p:pic>
-        <p:nvPicPr>
-          <p:cNvPr id="25" name="Image 24">
-            <a:extLst>
-              <a:ext uri="{FF2B5EF4-FFF2-40B4-BE49-F238E27FC236}">
-                <a16:creationId xmlns:a16="http://schemas.microsoft.com/office/drawing/2014/main" id="{52B4FD36-AB12-4C10-A211-9AFC4AFD0969}"/>
-              </a:ext>
-            </a:extLst>
-          </p:cNvPr>
-          <p:cNvPicPr>
-            <a:picLocks noChangeAspect="1"/>
-          </p:cNvPicPr>
-          <p:nvPr/>
-        </p:nvPicPr>
-        <p:blipFill rotWithShape="1">
-          <a:blip r:embed="rId2">
-            <a:extLst>
-              <a:ext uri="{28A0092B-C50C-407E-A947-70E740481C1C}">
-                <a14:useLocalDpi xmlns:a14="http://schemas.microsoft.com/office/drawing/2010/main" val="0"/>
-              </a:ext>
-            </a:extLst>
-          </a:blip>
-          <a:srcRect l="33779" r="34053"/>
-          <a:stretch/>
-        </p:blipFill>
-        <p:spPr>
-          <a:xfrm>
-            <a:off x="10010833" y="123976"/>
-            <a:ext cx="2198136" cy="1708328"/>
-          </a:xfrm>
-          <a:prstGeom prst="rect">
-            <a:avLst/>
-          </a:prstGeom>
-        </p:spPr>
-      </p:pic>
-      <p:pic>
-        <p:nvPicPr>
-          <p:cNvPr id="27" name="Image 26">
-            <a:extLst>
-              <a:ext uri="{FF2B5EF4-FFF2-40B4-BE49-F238E27FC236}">
-                <a16:creationId xmlns:a16="http://schemas.microsoft.com/office/drawing/2014/main" id="{7AD7D5B3-4C8C-4B14-AAC2-6C0AD1569EA0}"/>
-              </a:ext>
-            </a:extLst>
-          </p:cNvPr>
-          <p:cNvPicPr>
-            <a:picLocks noChangeAspect="1"/>
-          </p:cNvPicPr>
-          <p:nvPr/>
-        </p:nvPicPr>
-        <p:blipFill rotWithShape="1">
-          <a:blip r:embed="rId2">
-            <a:extLst>
-              <a:ext uri="{28A0092B-C50C-407E-A947-70E740481C1C}">
-                <a14:useLocalDpi xmlns:a14="http://schemas.microsoft.com/office/drawing/2010/main" val="0"/>
-              </a:ext>
-            </a:extLst>
-          </a:blip>
-          <a:srcRect l="65948" r="513"/>
-          <a:stretch/>
-        </p:blipFill>
-        <p:spPr>
-          <a:xfrm>
-            <a:off x="7726561" y="1839262"/>
-            <a:ext cx="2365278" cy="1763124"/>
-          </a:xfrm>
-          <a:prstGeom prst="rect">
-            <a:avLst/>
-          </a:prstGeom>
-        </p:spPr>
-      </p:pic>
-      <p:sp>
-        <p:nvSpPr>
-          <p:cNvPr id="31" name="Accolade ouvrante 30">
-            <a:extLst>
-              <a:ext uri="{FF2B5EF4-FFF2-40B4-BE49-F238E27FC236}">
-                <a16:creationId xmlns:a16="http://schemas.microsoft.com/office/drawing/2014/main" id="{3A56FF81-111C-4115-AEB3-BC1082A4E551}"/>
-              </a:ext>
-            </a:extLst>
-          </p:cNvPr>
-          <p:cNvSpPr/>
-          <p:nvPr/>
-        </p:nvSpPr>
-        <p:spPr>
-          <a:xfrm>
-            <a:off x="7572286" y="59119"/>
-            <a:ext cx="293087" cy="5453225"/>
-          </a:xfrm>
-          <a:prstGeom prst="leftBrace">
-            <a:avLst/>
-          </a:prstGeom>
-          <a:ln w="19050">
-            <a:solidFill>
-              <a:schemeClr val="tx1"/>
-            </a:solidFill>
-          </a:ln>
-        </p:spPr>
-        <p:style>
-          <a:lnRef idx="1">
-            <a:schemeClr val="accent1"/>
-          </a:lnRef>
-          <a:fillRef idx="0">
-            <a:schemeClr val="accent1"/>
-          </a:fillRef>
-          <a:effectRef idx="0">
-            <a:schemeClr val="accent1"/>
-          </a:effectRef>
-          <a:fontRef idx="minor">
-            <a:schemeClr val="tx1"/>
-          </a:fontRef>
-        </p:style>
-        <p:txBody>
-          <a:bodyPr rtlCol="0" anchor="ctr"/>
-          <a:lstStyle/>
-          <a:p>
-            <a:pPr algn="ctr"/>
-            <a:endParaRPr lang="en-US"/>
-          </a:p>
-        </p:txBody>
-      </p:sp>
-      <p:cxnSp>
-        <p:nvCxnSpPr>
-          <p:cNvPr id="33" name="Connecteur droit avec flèche 32">
-            <a:extLst>
-              <a:ext uri="{FF2B5EF4-FFF2-40B4-BE49-F238E27FC236}">
-                <a16:creationId xmlns:a16="http://schemas.microsoft.com/office/drawing/2014/main" id="{862ED813-E525-4DCB-9215-0FC2947C2D82}"/>
-              </a:ext>
-            </a:extLst>
-          </p:cNvPr>
-          <p:cNvCxnSpPr>
-            <a:cxnSpLocks/>
-            <a:stCxn id="10" idx="3"/>
-          </p:cNvCxnSpPr>
-          <p:nvPr/>
-        </p:nvCxnSpPr>
-        <p:spPr>
-          <a:xfrm>
-            <a:off x="6907892" y="2792665"/>
-            <a:ext cx="470370" cy="0"/>
-          </a:xfrm>
-          <a:prstGeom prst="straightConnector1">
-            <a:avLst/>
-          </a:prstGeom>
-          <a:ln w="19050">
-            <a:solidFill>
-              <a:schemeClr val="tx1"/>
-            </a:solidFill>
-            <a:tailEnd type="triangle"/>
-          </a:ln>
-        </p:spPr>
-        <p:style>
-          <a:lnRef idx="1">
-            <a:schemeClr val="accent1"/>
-          </a:lnRef>
-          <a:fillRef idx="0">
-            <a:schemeClr val="accent1"/>
-          </a:fillRef>
-          <a:effectRef idx="0">
-            <a:schemeClr val="accent1"/>
-          </a:effectRef>
-          <a:fontRef idx="minor">
-            <a:schemeClr val="tx1"/>
-          </a:fontRef>
-        </p:style>
-      </p:cxnSp>
-      <p:cxnSp>
-        <p:nvCxnSpPr>
-          <p:cNvPr id="41" name="Connecteur : en angle 40">
-            <a:extLst>
-              <a:ext uri="{FF2B5EF4-FFF2-40B4-BE49-F238E27FC236}">
-                <a16:creationId xmlns:a16="http://schemas.microsoft.com/office/drawing/2014/main" id="{84FF890D-F8A8-4BD7-A091-9028CF0C799B}"/>
-              </a:ext>
-            </a:extLst>
-          </p:cNvPr>
-          <p:cNvCxnSpPr>
-            <a:cxnSpLocks/>
-            <a:stCxn id="54" idx="2"/>
-          </p:cNvCxnSpPr>
-          <p:nvPr/>
-        </p:nvCxnSpPr>
-        <p:spPr>
-          <a:xfrm rot="5400000">
-            <a:off x="7412526" y="3342652"/>
-            <a:ext cx="131378" cy="5223342"/>
-          </a:xfrm>
-          <a:prstGeom prst="bentConnector2">
-            <a:avLst/>
-          </a:prstGeom>
-          <a:ln w="19050">
-            <a:solidFill>
-              <a:schemeClr val="tx1"/>
-            </a:solidFill>
-            <a:tailEnd type="triangle"/>
-          </a:ln>
-        </p:spPr>
-        <p:style>
-          <a:lnRef idx="1">
-            <a:schemeClr val="accent1"/>
-          </a:lnRef>
-          <a:fillRef idx="0">
-            <a:schemeClr val="accent1"/>
-          </a:fillRef>
-          <a:effectRef idx="0">
-            <a:schemeClr val="accent1"/>
-          </a:effectRef>
-          <a:fontRef idx="minor">
-            <a:schemeClr val="tx1"/>
-          </a:fontRef>
-        </p:style>
-      </p:cxnSp>
-      <p:cxnSp>
-        <p:nvCxnSpPr>
-          <p:cNvPr id="49" name="Connecteur droit avec flèche 48">
-            <a:extLst>
-              <a:ext uri="{FF2B5EF4-FFF2-40B4-BE49-F238E27FC236}">
-                <a16:creationId xmlns:a16="http://schemas.microsoft.com/office/drawing/2014/main" id="{22DCE410-FCE7-49D6-A736-D8E14326ED2A}"/>
-              </a:ext>
-            </a:extLst>
-          </p:cNvPr>
-          <p:cNvCxnSpPr>
-            <a:stCxn id="20" idx="0"/>
-            <a:endCxn id="4" idx="2"/>
-          </p:cNvCxnSpPr>
-          <p:nvPr/>
-        </p:nvCxnSpPr>
-        <p:spPr>
-          <a:xfrm flipV="1">
-            <a:off x="3407600" y="3414985"/>
-            <a:ext cx="0" cy="973602"/>
-          </a:xfrm>
-          <a:prstGeom prst="straightConnector1">
-            <a:avLst/>
-          </a:prstGeom>
-          <a:ln w="19050">
-            <a:solidFill>
-              <a:schemeClr val="tx1"/>
-            </a:solidFill>
-            <a:tailEnd type="triangle"/>
-          </a:ln>
-        </p:spPr>
-        <p:style>
-          <a:lnRef idx="1">
-            <a:schemeClr val="accent1"/>
-          </a:lnRef>
-          <a:fillRef idx="0">
-            <a:schemeClr val="accent1"/>
-          </a:fillRef>
-          <a:effectRef idx="0">
-            <a:schemeClr val="accent1"/>
-          </a:effectRef>
-          <a:fontRef idx="minor">
-            <a:schemeClr val="tx1"/>
-          </a:fontRef>
-        </p:style>
-      </p:cxnSp>
       <p:grpSp>
         <p:nvGrpSpPr>
-          <p:cNvPr id="59" name="Groupe 58">
-            <a:extLst>
-              <a:ext uri="{FF2B5EF4-FFF2-40B4-BE49-F238E27FC236}">
-                <a16:creationId xmlns:a16="http://schemas.microsoft.com/office/drawing/2014/main" id="{68B17A51-ACEB-45BC-B396-954268F0858F}"/>
+          <p:cNvPr id="15" name="Groupe 14">
+            <a:extLst>
+              <a:ext uri="{FF2B5EF4-FFF2-40B4-BE49-F238E27FC236}">
+                <a16:creationId xmlns:a16="http://schemas.microsoft.com/office/drawing/2014/main" id="{FA7A5EFD-CD6E-4EDD-B528-45D39782AD26}"/>
               </a:ext>
             </a:extLst>
           </p:cNvPr>
@@ -3740,18 +3367,109 @@
         </p:nvGrpSpPr>
         <p:grpSpPr>
           <a:xfrm>
-            <a:off x="36096" y="1452158"/>
-            <a:ext cx="1910081" cy="2295124"/>
-            <a:chOff x="36096" y="1336548"/>
-            <a:chExt cx="1910081" cy="2295124"/>
+            <a:off x="232881" y="59119"/>
+            <a:ext cx="11976088" cy="6401130"/>
+            <a:chOff x="232881" y="59119"/>
+            <a:chExt cx="11976088" cy="6401130"/>
           </a:xfrm>
         </p:grpSpPr>
+        <p:cxnSp>
+          <p:nvCxnSpPr>
+            <p:cNvPr id="12" name="Connecteur droit avec flèche 11">
+              <a:extLst>
+                <a:ext uri="{FF2B5EF4-FFF2-40B4-BE49-F238E27FC236}">
+                  <a16:creationId xmlns:a16="http://schemas.microsoft.com/office/drawing/2014/main" id="{3F652A17-EFFB-441B-A75E-0CF215AD72CA}"/>
+                </a:ext>
+              </a:extLst>
+            </p:cNvPr>
+            <p:cNvCxnSpPr>
+              <a:cxnSpLocks/>
+              <a:stCxn id="8" idx="3"/>
+              <a:endCxn id="4" idx="1"/>
+            </p:cNvCxnSpPr>
+            <p:nvPr/>
+          </p:nvCxnSpPr>
+          <p:spPr>
+            <a:xfrm>
+              <a:off x="2226557" y="2782764"/>
+              <a:ext cx="241243" cy="7381"/>
+            </a:xfrm>
+            <a:prstGeom prst="straightConnector1">
+              <a:avLst/>
+            </a:prstGeom>
+            <a:ln w="19050">
+              <a:solidFill>
+                <a:schemeClr val="tx1"/>
+              </a:solidFill>
+              <a:tailEnd type="triangle"/>
+            </a:ln>
+          </p:spPr>
+          <p:style>
+            <a:lnRef idx="1">
+              <a:schemeClr val="accent1"/>
+            </a:lnRef>
+            <a:fillRef idx="0">
+              <a:schemeClr val="accent1"/>
+            </a:fillRef>
+            <a:effectRef idx="0">
+              <a:schemeClr val="accent1"/>
+            </a:effectRef>
+            <a:fontRef idx="minor">
+              <a:schemeClr val="tx1"/>
+            </a:fontRef>
+          </p:style>
+        </p:cxnSp>
+        <p:cxnSp>
+          <p:nvCxnSpPr>
+            <p:cNvPr id="14" name="Connecteur droit avec flèche 13">
+              <a:extLst>
+                <a:ext uri="{FF2B5EF4-FFF2-40B4-BE49-F238E27FC236}">
+                  <a16:creationId xmlns:a16="http://schemas.microsoft.com/office/drawing/2014/main" id="{4FCF3AAE-18A1-471F-AEF7-1EDFD195AFC2}"/>
+                </a:ext>
+              </a:extLst>
+            </p:cNvPr>
+            <p:cNvCxnSpPr>
+              <a:cxnSpLocks/>
+              <a:stCxn id="4" idx="3"/>
+            </p:cNvCxnSpPr>
+            <p:nvPr/>
+          </p:nvCxnSpPr>
+          <p:spPr>
+            <a:xfrm>
+              <a:off x="4347400" y="2790145"/>
+              <a:ext cx="650411" cy="2520"/>
+            </a:xfrm>
+            <a:prstGeom prst="straightConnector1">
+              <a:avLst/>
+            </a:prstGeom>
+            <a:ln w="19050">
+              <a:solidFill>
+                <a:schemeClr val="tx1"/>
+              </a:solidFill>
+              <a:tailEnd type="triangle"/>
+            </a:ln>
+          </p:spPr>
+          <p:style>
+            <a:lnRef idx="1">
+              <a:schemeClr val="accent1"/>
+            </a:lnRef>
+            <a:fillRef idx="0">
+              <a:schemeClr val="accent1"/>
+            </a:fillRef>
+            <a:effectRef idx="0">
+              <a:schemeClr val="accent1"/>
+            </a:effectRef>
+            <a:fontRef idx="minor">
+              <a:schemeClr val="tx1"/>
+            </a:fontRef>
+          </p:style>
+        </p:cxnSp>
         <p:pic>
           <p:nvPicPr>
-            <p:cNvPr id="8" name="Image 7">
+            <p:cNvPr id="23" name="Image 22">
               <a:extLst>
                 <a:ext uri="{FF2B5EF4-FFF2-40B4-BE49-F238E27FC236}">
-                  <a16:creationId xmlns:a16="http://schemas.microsoft.com/office/drawing/2014/main" id="{7CEA66B4-9874-4175-9F8D-10CCA58E9AB5}"/>
+                  <a16:creationId xmlns:a16="http://schemas.microsoft.com/office/drawing/2014/main" id="{A0E37E30-84D1-45F5-8400-8375866B0EDD}"/>
                 </a:ext>
               </a:extLst>
             </p:cNvPr>
@@ -3761,20 +3479,90 @@
             <p:nvPr/>
           </p:nvPicPr>
           <p:blipFill rotWithShape="1">
-            <a:blip r:embed="rId3">
+            <a:blip r:embed="rId2">
               <a:extLst>
                 <a:ext uri="{28A0092B-C50C-407E-A947-70E740481C1C}">
                   <a14:useLocalDpi xmlns:a14="http://schemas.microsoft.com/office/drawing/2010/main" val="0"/>
                 </a:ext>
               </a:extLst>
             </a:blip>
-            <a:srcRect l="70850" t="7656" r="1319" b="8395"/>
+            <a:srcRect r="67167"/>
             <a:stretch/>
           </p:blipFill>
           <p:spPr>
             <a:xfrm>
-              <a:off x="36096" y="1721592"/>
-              <a:ext cx="1910081" cy="1910080"/>
+              <a:off x="7706100" y="62010"/>
+              <a:ext cx="2324988" cy="1770294"/>
+            </a:xfrm>
+            <a:prstGeom prst="rect">
+              <a:avLst/>
+            </a:prstGeom>
+          </p:spPr>
+        </p:pic>
+        <p:pic>
+          <p:nvPicPr>
+            <p:cNvPr id="25" name="Image 24">
+              <a:extLst>
+                <a:ext uri="{FF2B5EF4-FFF2-40B4-BE49-F238E27FC236}">
+                  <a16:creationId xmlns:a16="http://schemas.microsoft.com/office/drawing/2014/main" id="{52B4FD36-AB12-4C10-A211-9AFC4AFD0969}"/>
+                </a:ext>
+              </a:extLst>
+            </p:cNvPr>
+            <p:cNvPicPr>
+              <a:picLocks noChangeAspect="1"/>
+            </p:cNvPicPr>
+            <p:nvPr/>
+          </p:nvPicPr>
+          <p:blipFill rotWithShape="1">
+            <a:blip r:embed="rId2">
+              <a:extLst>
+                <a:ext uri="{28A0092B-C50C-407E-A947-70E740481C1C}">
+                  <a14:useLocalDpi xmlns:a14="http://schemas.microsoft.com/office/drawing/2010/main" val="0"/>
+                </a:ext>
+              </a:extLst>
+            </a:blip>
+            <a:srcRect l="33779" r="34053"/>
+            <a:stretch/>
+          </p:blipFill>
+          <p:spPr>
+            <a:xfrm>
+              <a:off x="10010833" y="123976"/>
+              <a:ext cx="2198136" cy="1708328"/>
+            </a:xfrm>
+            <a:prstGeom prst="rect">
+              <a:avLst/>
+            </a:prstGeom>
+          </p:spPr>
+        </p:pic>
+        <p:pic>
+          <p:nvPicPr>
+            <p:cNvPr id="27" name="Image 26">
+              <a:extLst>
+                <a:ext uri="{FF2B5EF4-FFF2-40B4-BE49-F238E27FC236}">
+                  <a16:creationId xmlns:a16="http://schemas.microsoft.com/office/drawing/2014/main" id="{7AD7D5B3-4C8C-4B14-AAC2-6C0AD1569EA0}"/>
+                </a:ext>
+              </a:extLst>
+            </p:cNvPr>
+            <p:cNvPicPr>
+              <a:picLocks noChangeAspect="1"/>
+            </p:cNvPicPr>
+            <p:nvPr/>
+          </p:nvPicPr>
+          <p:blipFill rotWithShape="1">
+            <a:blip r:embed="rId2">
+              <a:extLst>
+                <a:ext uri="{28A0092B-C50C-407E-A947-70E740481C1C}">
+                  <a14:useLocalDpi xmlns:a14="http://schemas.microsoft.com/office/drawing/2010/main" val="0"/>
+                </a:ext>
+              </a:extLst>
+            </a:blip>
+            <a:srcRect l="65948" r="513"/>
+            <a:stretch/>
+          </p:blipFill>
+          <p:spPr>
+            <a:xfrm>
+              <a:off x="7726561" y="1839262"/>
+              <a:ext cx="2365278" cy="1763124"/>
             </a:xfrm>
             <a:prstGeom prst="rect">
               <a:avLst/>
@@ -3783,10 +3571,404 @@
         </p:pic>
         <p:sp>
           <p:nvSpPr>
-            <p:cNvPr id="50" name="ZoneTexte 49">
+            <p:cNvPr id="31" name="Accolade ouvrante 30">
               <a:extLst>
                 <a:ext uri="{FF2B5EF4-FFF2-40B4-BE49-F238E27FC236}">
-                  <a16:creationId xmlns:a16="http://schemas.microsoft.com/office/drawing/2014/main" id="{C7BCFBBC-0675-4FF9-AAF5-1C912ADDDBE6}"/>
+                  <a16:creationId xmlns:a16="http://schemas.microsoft.com/office/drawing/2014/main" id="{3A56FF81-111C-4115-AEB3-BC1082A4E551}"/>
+                </a:ext>
+              </a:extLst>
+            </p:cNvPr>
+            <p:cNvSpPr/>
+            <p:nvPr/>
+          </p:nvSpPr>
+          <p:spPr>
+            <a:xfrm>
+              <a:off x="7572286" y="59119"/>
+              <a:ext cx="293087" cy="5453225"/>
+            </a:xfrm>
+            <a:prstGeom prst="leftBrace">
+              <a:avLst/>
+            </a:prstGeom>
+            <a:ln w="19050">
+              <a:solidFill>
+                <a:schemeClr val="tx1"/>
+              </a:solidFill>
+            </a:ln>
+          </p:spPr>
+          <p:style>
+            <a:lnRef idx="1">
+              <a:schemeClr val="accent1"/>
+            </a:lnRef>
+            <a:fillRef idx="0">
+              <a:schemeClr val="accent1"/>
+            </a:fillRef>
+            <a:effectRef idx="0">
+              <a:schemeClr val="accent1"/>
+            </a:effectRef>
+            <a:fontRef idx="minor">
+              <a:schemeClr val="tx1"/>
+            </a:fontRef>
+          </p:style>
+          <p:txBody>
+            <a:bodyPr rtlCol="0" anchor="ctr"/>
+            <a:lstStyle/>
+            <a:p>
+              <a:pPr algn="ctr"/>
+              <a:endParaRPr lang="en-US"/>
+            </a:p>
+          </p:txBody>
+        </p:sp>
+        <p:cxnSp>
+          <p:nvCxnSpPr>
+            <p:cNvPr id="33" name="Connecteur droit avec flèche 32">
+              <a:extLst>
+                <a:ext uri="{FF2B5EF4-FFF2-40B4-BE49-F238E27FC236}">
+                  <a16:creationId xmlns:a16="http://schemas.microsoft.com/office/drawing/2014/main" id="{862ED813-E525-4DCB-9215-0FC2947C2D82}"/>
+                </a:ext>
+              </a:extLst>
+            </p:cNvPr>
+            <p:cNvCxnSpPr>
+              <a:cxnSpLocks/>
+            </p:cNvCxnSpPr>
+            <p:nvPr/>
+          </p:nvCxnSpPr>
+          <p:spPr>
+            <a:xfrm>
+              <a:off x="6907892" y="2792665"/>
+              <a:ext cx="470370" cy="0"/>
+            </a:xfrm>
+            <a:prstGeom prst="straightConnector1">
+              <a:avLst/>
+            </a:prstGeom>
+            <a:ln w="19050">
+              <a:solidFill>
+                <a:schemeClr val="tx1"/>
+              </a:solidFill>
+              <a:tailEnd type="triangle"/>
+            </a:ln>
+          </p:spPr>
+          <p:style>
+            <a:lnRef idx="1">
+              <a:schemeClr val="accent1"/>
+            </a:lnRef>
+            <a:fillRef idx="0">
+              <a:schemeClr val="accent1"/>
+            </a:fillRef>
+            <a:effectRef idx="0">
+              <a:schemeClr val="accent1"/>
+            </a:effectRef>
+            <a:fontRef idx="minor">
+              <a:schemeClr val="tx1"/>
+            </a:fontRef>
+          </p:style>
+        </p:cxnSp>
+        <p:cxnSp>
+          <p:nvCxnSpPr>
+            <p:cNvPr id="41" name="Connecteur : en angle 40">
+              <a:extLst>
+                <a:ext uri="{FF2B5EF4-FFF2-40B4-BE49-F238E27FC236}">
+                  <a16:creationId xmlns:a16="http://schemas.microsoft.com/office/drawing/2014/main" id="{84FF890D-F8A8-4BD7-A091-9028CF0C799B}"/>
+                </a:ext>
+              </a:extLst>
+            </p:cNvPr>
+            <p:cNvCxnSpPr>
+              <a:cxnSpLocks/>
+              <a:stCxn id="54" idx="2"/>
+            </p:cNvCxnSpPr>
+            <p:nvPr/>
+          </p:nvCxnSpPr>
+          <p:spPr>
+            <a:xfrm rot="5400000">
+              <a:off x="7412526" y="3342652"/>
+              <a:ext cx="131378" cy="5223342"/>
+            </a:xfrm>
+            <a:prstGeom prst="bentConnector2">
+              <a:avLst/>
+            </a:prstGeom>
+            <a:ln w="19050">
+              <a:solidFill>
+                <a:schemeClr val="tx1"/>
+              </a:solidFill>
+              <a:tailEnd type="triangle"/>
+            </a:ln>
+          </p:spPr>
+          <p:style>
+            <a:lnRef idx="1">
+              <a:schemeClr val="accent1"/>
+            </a:lnRef>
+            <a:fillRef idx="0">
+              <a:schemeClr val="accent1"/>
+            </a:fillRef>
+            <a:effectRef idx="0">
+              <a:schemeClr val="accent1"/>
+            </a:effectRef>
+            <a:fontRef idx="minor">
+              <a:schemeClr val="tx1"/>
+            </a:fontRef>
+          </p:style>
+        </p:cxnSp>
+        <p:cxnSp>
+          <p:nvCxnSpPr>
+            <p:cNvPr id="49" name="Connecteur droit avec flèche 48">
+              <a:extLst>
+                <a:ext uri="{FF2B5EF4-FFF2-40B4-BE49-F238E27FC236}">
+                  <a16:creationId xmlns:a16="http://schemas.microsoft.com/office/drawing/2014/main" id="{22DCE410-FCE7-49D6-A736-D8E14326ED2A}"/>
+                </a:ext>
+              </a:extLst>
+            </p:cNvPr>
+            <p:cNvCxnSpPr>
+              <a:cxnSpLocks/>
+              <a:endCxn id="4" idx="2"/>
+            </p:cNvCxnSpPr>
+            <p:nvPr/>
+          </p:nvCxnSpPr>
+          <p:spPr>
+            <a:xfrm flipV="1">
+              <a:off x="3407600" y="3414985"/>
+              <a:ext cx="0" cy="973602"/>
+            </a:xfrm>
+            <a:prstGeom prst="straightConnector1">
+              <a:avLst/>
+            </a:prstGeom>
+            <a:ln w="19050">
+              <a:solidFill>
+                <a:schemeClr val="tx1"/>
+              </a:solidFill>
+              <a:tailEnd type="triangle"/>
+            </a:ln>
+          </p:spPr>
+          <p:style>
+            <a:lnRef idx="1">
+              <a:schemeClr val="accent1"/>
+            </a:lnRef>
+            <a:fillRef idx="0">
+              <a:schemeClr val="accent1"/>
+            </a:fillRef>
+            <a:effectRef idx="0">
+              <a:schemeClr val="accent1"/>
+            </a:effectRef>
+            <a:fontRef idx="minor">
+              <a:schemeClr val="tx1"/>
+            </a:fontRef>
+          </p:style>
+        </p:cxnSp>
+        <p:grpSp>
+          <p:nvGrpSpPr>
+            <p:cNvPr id="59" name="Groupe 58">
+              <a:extLst>
+                <a:ext uri="{FF2B5EF4-FFF2-40B4-BE49-F238E27FC236}">
+                  <a16:creationId xmlns:a16="http://schemas.microsoft.com/office/drawing/2014/main" id="{68B17A51-ACEB-45BC-B396-954268F0858F}"/>
+                </a:ext>
+              </a:extLst>
+            </p:cNvPr>
+            <p:cNvGrpSpPr/>
+            <p:nvPr/>
+          </p:nvGrpSpPr>
+          <p:grpSpPr>
+            <a:xfrm>
+              <a:off x="232881" y="1404533"/>
+              <a:ext cx="1993676" cy="2387130"/>
+              <a:chOff x="318546" y="1336547"/>
+              <a:chExt cx="1993676" cy="2387130"/>
+            </a:xfrm>
+          </p:grpSpPr>
+          <p:pic>
+            <p:nvPicPr>
+              <p:cNvPr id="8" name="Image 7">
+                <a:extLst>
+                  <a:ext uri="{FF2B5EF4-FFF2-40B4-BE49-F238E27FC236}">
+                    <a16:creationId xmlns:a16="http://schemas.microsoft.com/office/drawing/2014/main" id="{7CEA66B4-9874-4175-9F8D-10CCA58E9AB5}"/>
+                  </a:ext>
+                </a:extLst>
+              </p:cNvPr>
+              <p:cNvPicPr>
+                <a:picLocks noChangeAspect="1"/>
+              </p:cNvPicPr>
+              <p:nvPr/>
+            </p:nvPicPr>
+            <p:blipFill rotWithShape="1">
+              <a:blip r:embed="rId3">
+                <a:extLst>
+                  <a:ext uri="{28A0092B-C50C-407E-A947-70E740481C1C}">
+                    <a14:useLocalDpi xmlns:a14="http://schemas.microsoft.com/office/drawing/2010/main" val="0"/>
+                  </a:ext>
+                </a:extLst>
+              </a:blip>
+              <a:srcRect l="70898" t="6653" r="1787" b="9957"/>
+              <a:stretch/>
+            </p:blipFill>
+            <p:spPr>
+              <a:xfrm>
+                <a:off x="318546" y="1705879"/>
+                <a:ext cx="1993676" cy="2017798"/>
+              </a:xfrm>
+              <a:prstGeom prst="rect">
+                <a:avLst/>
+              </a:prstGeom>
+            </p:spPr>
+          </p:pic>
+          <p:sp>
+            <p:nvSpPr>
+              <p:cNvPr id="50" name="ZoneTexte 49">
+                <a:extLst>
+                  <a:ext uri="{FF2B5EF4-FFF2-40B4-BE49-F238E27FC236}">
+                    <a16:creationId xmlns:a16="http://schemas.microsoft.com/office/drawing/2014/main" id="{C7BCFBBC-0675-4FF9-AAF5-1C912ADDDBE6}"/>
+                  </a:ext>
+                </a:extLst>
+              </p:cNvPr>
+              <p:cNvSpPr txBox="1"/>
+              <p:nvPr/>
+            </p:nvSpPr>
+            <p:spPr>
+              <a:xfrm>
+                <a:off x="644659" y="1336547"/>
+                <a:ext cx="1406285" cy="369332"/>
+              </a:xfrm>
+              <a:prstGeom prst="rect">
+                <a:avLst/>
+              </a:prstGeom>
+              <a:noFill/>
+            </p:spPr>
+            <p:txBody>
+              <a:bodyPr wrap="square" rtlCol="0">
+                <a:spAutoFit/>
+              </a:bodyPr>
+              <a:lstStyle/>
+              <a:p>
+                <a:r>
+                  <a:rPr lang="en-US" dirty="0">
+                    <a:latin typeface="Times New Roman" panose="02020603050405020304" pitchFamily="18" charset="0"/>
+                    <a:cs typeface="Times New Roman" panose="02020603050405020304" pitchFamily="18" charset="0"/>
+                  </a:rPr>
+                  <a:t>Raw image </a:t>
+                </a:r>
+              </a:p>
+            </p:txBody>
+          </p:sp>
+        </p:grpSp>
+        <p:grpSp>
+          <p:nvGrpSpPr>
+            <p:cNvPr id="60" name="Groupe 59">
+              <a:extLst>
+                <a:ext uri="{FF2B5EF4-FFF2-40B4-BE49-F238E27FC236}">
+                  <a16:creationId xmlns:a16="http://schemas.microsoft.com/office/drawing/2014/main" id="{19874304-F011-4255-8502-001FA7D3C27D}"/>
+                </a:ext>
+              </a:extLst>
+            </p:cNvPr>
+            <p:cNvGrpSpPr/>
+            <p:nvPr/>
+          </p:nvGrpSpPr>
+          <p:grpSpPr>
+            <a:xfrm>
+              <a:off x="2467800" y="1821490"/>
+              <a:ext cx="1932240" cy="1593495"/>
+              <a:chOff x="3007898" y="1700121"/>
+              <a:chExt cx="1932240" cy="1593495"/>
+            </a:xfrm>
+          </p:grpSpPr>
+          <p:sp>
+            <p:nvSpPr>
+              <p:cNvPr id="4" name="Rectangle 3">
+                <a:extLst>
+                  <a:ext uri="{FF2B5EF4-FFF2-40B4-BE49-F238E27FC236}">
+                    <a16:creationId xmlns:a16="http://schemas.microsoft.com/office/drawing/2014/main" id="{6C278B18-A19C-4F9E-AF4B-F92F07711454}"/>
+                  </a:ext>
+                </a:extLst>
+              </p:cNvPr>
+              <p:cNvSpPr/>
+              <p:nvPr/>
+            </p:nvSpPr>
+            <p:spPr>
+              <a:xfrm>
+                <a:off x="3007898" y="2043936"/>
+                <a:ext cx="1879600" cy="1249680"/>
+              </a:xfrm>
+              <a:prstGeom prst="rect">
+                <a:avLst/>
+              </a:prstGeom>
+              <a:solidFill>
+                <a:schemeClr val="tx1"/>
+              </a:solidFill>
+              <a:ln>
+                <a:solidFill>
+                  <a:schemeClr val="tx1"/>
+                </a:solidFill>
+              </a:ln>
+            </p:spPr>
+            <p:style>
+              <a:lnRef idx="2">
+                <a:schemeClr val="accent1">
+                  <a:shade val="50000"/>
+                </a:schemeClr>
+              </a:lnRef>
+              <a:fillRef idx="1">
+                <a:schemeClr val="accent1"/>
+              </a:fillRef>
+              <a:effectRef idx="0">
+                <a:schemeClr val="accent1"/>
+              </a:effectRef>
+              <a:fontRef idx="minor">
+                <a:schemeClr val="lt1"/>
+              </a:fontRef>
+            </p:style>
+            <p:txBody>
+              <a:bodyPr rtlCol="0" anchor="ctr"/>
+              <a:lstStyle/>
+              <a:p>
+                <a:pPr algn="ctr"/>
+                <a:endParaRPr lang="en-US">
+                  <a:solidFill>
+                    <a:schemeClr val="tx1"/>
+                  </a:solidFill>
+                </a:endParaRPr>
+              </a:p>
+            </p:txBody>
+          </p:sp>
+          <p:sp>
+            <p:nvSpPr>
+              <p:cNvPr id="51" name="ZoneTexte 50">
+                <a:extLst>
+                  <a:ext uri="{FF2B5EF4-FFF2-40B4-BE49-F238E27FC236}">
+                    <a16:creationId xmlns:a16="http://schemas.microsoft.com/office/drawing/2014/main" id="{34880739-169D-41C0-ADCF-66D565DCF1F6}"/>
+                  </a:ext>
+                </a:extLst>
+              </p:cNvPr>
+              <p:cNvSpPr txBox="1"/>
+              <p:nvPr/>
+            </p:nvSpPr>
+            <p:spPr>
+              <a:xfrm>
+                <a:off x="3174224" y="1700121"/>
+                <a:ext cx="1765914" cy="369332"/>
+              </a:xfrm>
+              <a:prstGeom prst="rect">
+                <a:avLst/>
+              </a:prstGeom>
+              <a:noFill/>
+            </p:spPr>
+            <p:txBody>
+              <a:bodyPr wrap="square" rtlCol="0">
+                <a:spAutoFit/>
+              </a:bodyPr>
+              <a:lstStyle/>
+              <a:p>
+                <a:r>
+                  <a:rPr lang="en-US" dirty="0">
+                    <a:latin typeface="Times New Roman" panose="02020603050405020304" pitchFamily="18" charset="0"/>
+                    <a:cs typeface="Times New Roman" panose="02020603050405020304" pitchFamily="18" charset="0"/>
+                  </a:rPr>
+                  <a:t>Neural Network</a:t>
+                </a:r>
+              </a:p>
+            </p:txBody>
+          </p:sp>
+        </p:grpSp>
+        <p:sp>
+          <p:nvSpPr>
+            <p:cNvPr id="52" name="ZoneTexte 51">
+              <a:extLst>
+                <a:ext uri="{FF2B5EF4-FFF2-40B4-BE49-F238E27FC236}">
+                  <a16:creationId xmlns:a16="http://schemas.microsoft.com/office/drawing/2014/main" id="{84801B8A-1216-4717-A55C-1CC5EDAB397F}"/>
                 </a:ext>
               </a:extLst>
             </p:cNvPr>
@@ -3795,8 +3977,8 @@
           </p:nvSpPr>
           <p:spPr>
             <a:xfrm>
-              <a:off x="287993" y="1336548"/>
-              <a:ext cx="1406285" cy="369332"/>
+              <a:off x="5212268" y="1463601"/>
+              <a:ext cx="1684211" cy="369332"/>
             </a:xfrm>
             <a:prstGeom prst="rect">
               <a:avLst/>
@@ -3814,38 +3996,230 @@
                   <a:latin typeface="Times New Roman" panose="02020603050405020304" pitchFamily="18" charset="0"/>
                   <a:cs typeface="Times New Roman" panose="02020603050405020304" pitchFamily="18" charset="0"/>
                 </a:rPr>
-                <a:t>Raw image </a:t>
+                <a:t>Labeled image</a:t>
               </a:r>
             </a:p>
           </p:txBody>
         </p:sp>
-      </p:grpSp>
-      <p:grpSp>
-        <p:nvGrpSpPr>
-          <p:cNvPr id="60" name="Groupe 59">
-            <a:extLst>
-              <a:ext uri="{FF2B5EF4-FFF2-40B4-BE49-F238E27FC236}">
-                <a16:creationId xmlns:a16="http://schemas.microsoft.com/office/drawing/2014/main" id="{19874304-F011-4255-8502-001FA7D3C27D}"/>
-              </a:ext>
-            </a:extLst>
-          </p:cNvPr>
-          <p:cNvGrpSpPr/>
-          <p:nvPr/>
-        </p:nvGrpSpPr>
-        <p:grpSpPr>
-          <a:xfrm>
-            <a:off x="2467800" y="1821490"/>
-            <a:ext cx="1932240" cy="1593495"/>
-            <a:chOff x="3007898" y="1700121"/>
-            <a:chExt cx="1932240" cy="1593495"/>
-          </a:xfrm>
-        </p:grpSpPr>
         <p:sp>
           <p:nvSpPr>
-            <p:cNvPr id="4" name="Rectangle 3">
+            <p:cNvPr id="54" name="ZoneTexte 53">
               <a:extLst>
                 <a:ext uri="{FF2B5EF4-FFF2-40B4-BE49-F238E27FC236}">
-                  <a16:creationId xmlns:a16="http://schemas.microsoft.com/office/drawing/2014/main" id="{6C278B18-A19C-4F9E-AF4B-F92F07711454}"/>
+                  <a16:creationId xmlns:a16="http://schemas.microsoft.com/office/drawing/2014/main" id="{6A871BE3-E790-4031-8EE1-40A899715556}"/>
+                </a:ext>
+              </a:extLst>
+            </p:cNvPr>
+            <p:cNvSpPr txBox="1"/>
+            <p:nvPr/>
+          </p:nvSpPr>
+          <p:spPr>
+            <a:xfrm>
+              <a:off x="8907247" y="5519302"/>
+              <a:ext cx="2365278" cy="369332"/>
+            </a:xfrm>
+            <a:prstGeom prst="rect">
+              <a:avLst/>
+            </a:prstGeom>
+            <a:noFill/>
+          </p:spPr>
+          <p:txBody>
+            <a:bodyPr wrap="square" rtlCol="0">
+              <a:spAutoFit/>
+            </a:bodyPr>
+            <a:lstStyle/>
+            <a:p>
+              <a:r>
+                <a:rPr lang="en-US" dirty="0">
+                  <a:latin typeface="Times New Roman" panose="02020603050405020304" pitchFamily="18" charset="0"/>
+                  <a:cs typeface="Times New Roman" panose="02020603050405020304" pitchFamily="18" charset="0"/>
+                </a:rPr>
+                <a:t>Performance evaluation</a:t>
+              </a:r>
+            </a:p>
+          </p:txBody>
+        </p:sp>
+        <p:pic>
+          <p:nvPicPr>
+            <p:cNvPr id="70" name="Image 69">
+              <a:extLst>
+                <a:ext uri="{FF2B5EF4-FFF2-40B4-BE49-F238E27FC236}">
+                  <a16:creationId xmlns:a16="http://schemas.microsoft.com/office/drawing/2014/main" id="{2778A048-9A92-4B54-B032-21EF7B318A0A}"/>
+                </a:ext>
+              </a:extLst>
+            </p:cNvPr>
+            <p:cNvPicPr>
+              <a:picLocks noChangeAspect="1"/>
+            </p:cNvPicPr>
+            <p:nvPr/>
+          </p:nvPicPr>
+          <p:blipFill rotWithShape="1">
+            <a:blip r:embed="rId4">
+              <a:extLst>
+                <a:ext uri="{28A0092B-C50C-407E-A947-70E740481C1C}">
+                  <a14:useLocalDpi xmlns:a14="http://schemas.microsoft.com/office/drawing/2010/main" val="0"/>
+                </a:ext>
+              </a:extLst>
+            </a:blip>
+            <a:srcRect l="16026" t="11815" r="14138" b="11815"/>
+            <a:stretch/>
+          </p:blipFill>
+          <p:spPr>
+            <a:xfrm>
+              <a:off x="10124674" y="3731524"/>
+              <a:ext cx="2046971" cy="1566963"/>
+            </a:xfrm>
+            <a:prstGeom prst="rect">
+              <a:avLst/>
+            </a:prstGeom>
+          </p:spPr>
+        </p:pic>
+        <p:pic>
+          <p:nvPicPr>
+            <p:cNvPr id="72" name="Image 71">
+              <a:extLst>
+                <a:ext uri="{FF2B5EF4-FFF2-40B4-BE49-F238E27FC236}">
+                  <a16:creationId xmlns:a16="http://schemas.microsoft.com/office/drawing/2014/main" id="{FEAEA669-7727-4998-AD0D-39CE1AD7B14A}"/>
+                </a:ext>
+              </a:extLst>
+            </p:cNvPr>
+            <p:cNvPicPr>
+              <a:picLocks noChangeAspect="1"/>
+            </p:cNvPicPr>
+            <p:nvPr/>
+          </p:nvPicPr>
+          <p:blipFill rotWithShape="1">
+            <a:blip r:embed="rId5">
+              <a:extLst>
+                <a:ext uri="{28A0092B-C50C-407E-A947-70E740481C1C}">
+                  <a14:useLocalDpi xmlns:a14="http://schemas.microsoft.com/office/drawing/2010/main" val="0"/>
+                </a:ext>
+              </a:extLst>
+            </a:blip>
+            <a:srcRect l="52500" t="56026" r="36287" b="12880"/>
+            <a:stretch/>
+          </p:blipFill>
+          <p:spPr>
+            <a:xfrm>
+              <a:off x="7984118" y="3559179"/>
+              <a:ext cx="2046970" cy="1892171"/>
+            </a:xfrm>
+            <a:prstGeom prst="rect">
+              <a:avLst/>
+            </a:prstGeom>
+          </p:spPr>
+        </p:pic>
+        <p:pic>
+          <p:nvPicPr>
+            <p:cNvPr id="74" name="Image 73">
+              <a:extLst>
+                <a:ext uri="{FF2B5EF4-FFF2-40B4-BE49-F238E27FC236}">
+                  <a16:creationId xmlns:a16="http://schemas.microsoft.com/office/drawing/2014/main" id="{265B2741-38A5-4959-BF4F-CCD7D50E022E}"/>
+                </a:ext>
+              </a:extLst>
+            </p:cNvPr>
+            <p:cNvPicPr>
+              <a:picLocks noChangeAspect="1"/>
+            </p:cNvPicPr>
+            <p:nvPr/>
+          </p:nvPicPr>
+          <p:blipFill rotWithShape="1">
+            <a:blip r:embed="rId6">
+              <a:extLst>
+                <a:ext uri="{28A0092B-C50C-407E-A947-70E740481C1C}">
+                  <a14:useLocalDpi xmlns:a14="http://schemas.microsoft.com/office/drawing/2010/main" val="0"/>
+                </a:ext>
+              </a:extLst>
+            </a:blip>
+            <a:srcRect l="8276" t="10412" r="51810" b="2726"/>
+            <a:stretch/>
+          </p:blipFill>
+          <p:spPr>
+            <a:xfrm>
+              <a:off x="10060378" y="1941798"/>
+              <a:ext cx="2148591" cy="1558609"/>
+            </a:xfrm>
+            <a:prstGeom prst="rect">
+              <a:avLst/>
+            </a:prstGeom>
+          </p:spPr>
+        </p:pic>
+        <p:pic>
+          <p:nvPicPr>
+            <p:cNvPr id="3" name="Image 2">
+              <a:extLst>
+                <a:ext uri="{FF2B5EF4-FFF2-40B4-BE49-F238E27FC236}">
+                  <a16:creationId xmlns:a16="http://schemas.microsoft.com/office/drawing/2014/main" id="{39589857-D5BE-4743-B431-251103B17E38}"/>
+                </a:ext>
+              </a:extLst>
+            </p:cNvPr>
+            <p:cNvPicPr>
+              <a:picLocks noChangeAspect="1"/>
+            </p:cNvPicPr>
+            <p:nvPr/>
+          </p:nvPicPr>
+          <p:blipFill rotWithShape="1">
+            <a:blip r:embed="rId3">
+              <a:extLst>
+                <a:ext uri="{28A0092B-C50C-407E-A947-70E740481C1C}">
+                  <a14:useLocalDpi xmlns:a14="http://schemas.microsoft.com/office/drawing/2010/main" val="0"/>
+                </a:ext>
+              </a:extLst>
+            </a:blip>
+            <a:srcRect l="4076" t="7219" r="68025" b="8637"/>
+            <a:stretch/>
+          </p:blipFill>
+          <p:spPr>
+            <a:xfrm>
+              <a:off x="4977153" y="1821490"/>
+              <a:ext cx="2018020" cy="2017798"/>
+            </a:xfrm>
+            <a:prstGeom prst="rect">
+              <a:avLst/>
+            </a:prstGeom>
+          </p:spPr>
+        </p:pic>
+        <p:pic>
+          <p:nvPicPr>
+            <p:cNvPr id="35" name="Image 34">
+              <a:extLst>
+                <a:ext uri="{FF2B5EF4-FFF2-40B4-BE49-F238E27FC236}">
+                  <a16:creationId xmlns:a16="http://schemas.microsoft.com/office/drawing/2014/main" id="{70016331-91D4-469B-AD30-90118C8BFAFD}"/>
+                </a:ext>
+              </a:extLst>
+            </p:cNvPr>
+            <p:cNvPicPr>
+              <a:picLocks noChangeAspect="1"/>
+            </p:cNvPicPr>
+            <p:nvPr/>
+          </p:nvPicPr>
+          <p:blipFill rotWithShape="1">
+            <a:blip r:embed="rId3">
+              <a:extLst>
+                <a:ext uri="{28A0092B-C50C-407E-A947-70E740481C1C}">
+                  <a14:useLocalDpi xmlns:a14="http://schemas.microsoft.com/office/drawing/2010/main" val="0"/>
+                </a:ext>
+              </a:extLst>
+            </a:blip>
+            <a:srcRect l="37361" t="7516" r="34740" b="8340"/>
+            <a:stretch/>
+          </p:blipFill>
+          <p:spPr>
+            <a:xfrm>
+              <a:off x="2398590" y="4442451"/>
+              <a:ext cx="2018020" cy="2017798"/>
+            </a:xfrm>
+            <a:prstGeom prst="rect">
+              <a:avLst/>
+            </a:prstGeom>
+          </p:spPr>
+        </p:pic>
+        <p:sp>
+          <p:nvSpPr>
+            <p:cNvPr id="11" name="Ellipse 10">
+              <a:extLst>
+                <a:ext uri="{FF2B5EF4-FFF2-40B4-BE49-F238E27FC236}">
+                  <a16:creationId xmlns:a16="http://schemas.microsoft.com/office/drawing/2014/main" id="{C26F2EF9-B8C1-4F2B-A780-04D6D3483354}"/>
                 </a:ext>
               </a:extLst>
             </p:cNvPr>
@@ -3854,18 +4228,16 @@
           </p:nvSpPr>
           <p:spPr>
             <a:xfrm>
-              <a:off x="3007898" y="2043936"/>
-              <a:ext cx="1879600" cy="1249680"/>
+              <a:off x="3290888" y="5888634"/>
+              <a:ext cx="547687" cy="483591"/>
             </a:xfrm>
-            <a:prstGeom prst="rect">
+            <a:prstGeom prst="ellipse">
               <a:avLst/>
             </a:prstGeom>
-            <a:solidFill>
-              <a:schemeClr val="tx1"/>
-            </a:solidFill>
-            <a:ln>
+            <a:noFill/>
+            <a:ln w="19050">
               <a:solidFill>
-                <a:schemeClr val="tx1"/>
+                <a:srgbClr val="FF0000"/>
               </a:solidFill>
             </a:ln>
           </p:spPr>
@@ -3890,59 +4262,47 @@
             <a:lstStyle/>
             <a:p>
               <a:pPr algn="ctr"/>
-              <a:endParaRPr lang="en-US">
-                <a:solidFill>
-                  <a:schemeClr val="tx1"/>
-                </a:solidFill>
-              </a:endParaRPr>
-            </a:p>
-          </p:txBody>
-        </p:sp>
-        <p:sp>
-          <p:nvSpPr>
-            <p:cNvPr id="51" name="ZoneTexte 50">
-              <a:extLst>
-                <a:ext uri="{FF2B5EF4-FFF2-40B4-BE49-F238E27FC236}">
-                  <a16:creationId xmlns:a16="http://schemas.microsoft.com/office/drawing/2014/main" id="{34880739-169D-41C0-ADCF-66D565DCF1F6}"/>
-                </a:ext>
-              </a:extLst>
-            </p:cNvPr>
-            <p:cNvSpPr txBox="1"/>
-            <p:nvPr/>
-          </p:nvSpPr>
-          <p:spPr>
-            <a:xfrm>
-              <a:off x="3174224" y="1700121"/>
-              <a:ext cx="1765914" cy="369332"/>
-            </a:xfrm>
-            <a:prstGeom prst="rect">
-              <a:avLst/>
-            </a:prstGeom>
-            <a:noFill/>
-          </p:spPr>
-          <p:txBody>
-            <a:bodyPr wrap="square" rtlCol="0">
-              <a:spAutoFit/>
-            </a:bodyPr>
-            <a:lstStyle/>
-            <a:p>
-              <a:r>
-                <a:rPr lang="en-US" dirty="0">
-                  <a:latin typeface="Times New Roman" panose="02020603050405020304" pitchFamily="18" charset="0"/>
-                  <a:cs typeface="Times New Roman" panose="02020603050405020304" pitchFamily="18" charset="0"/>
-                </a:rPr>
-                <a:t>Neural Network</a:t>
-              </a:r>
+              <a:endParaRPr lang="en-US"/>
             </a:p>
           </p:txBody>
         </p:sp>
       </p:grpSp>
+    </p:spTree>
+    <p:extLst>
+      <p:ext uri="{BB962C8B-B14F-4D97-AF65-F5344CB8AC3E}">
+        <p14:creationId xmlns:p14="http://schemas.microsoft.com/office/powerpoint/2010/main" val="1995840622"/>
+      </p:ext>
+    </p:extLst>
+  </p:cSld>
+  <p:clrMapOvr>
+    <a:masterClrMapping/>
+  </p:clrMapOvr>
+</p:sld>
+</file>
+
+<file path=ppt/slides/slide2.xml><?xml version="1.0" encoding="utf-8"?>
+<p:sld xmlns:a="http://schemas.openxmlformats.org/drawingml/2006/main" xmlns:r="http://schemas.openxmlformats.org/officeDocument/2006/relationships" xmlns:p="http://schemas.openxmlformats.org/presentationml/2006/main">
+  <p:cSld>
+    <p:spTree>
+      <p:nvGrpSpPr>
+        <p:cNvPr id="1" name=""/>
+        <p:cNvGrpSpPr/>
+        <p:nvPr/>
+      </p:nvGrpSpPr>
+      <p:grpSpPr>
+        <a:xfrm>
+          <a:off x="0" y="0"/>
+          <a:ext cx="0" cy="0"/>
+          <a:chOff x="0" y="0"/>
+          <a:chExt cx="0" cy="0"/>
+        </a:xfrm>
+      </p:grpSpPr>
       <p:grpSp>
         <p:nvGrpSpPr>
-          <p:cNvPr id="61" name="Groupe 60">
-            <a:extLst>
-              <a:ext uri="{FF2B5EF4-FFF2-40B4-BE49-F238E27FC236}">
-                <a16:creationId xmlns:a16="http://schemas.microsoft.com/office/drawing/2014/main" id="{5CB7218F-79FB-4991-B264-5543802739AF}"/>
+          <p:cNvPr id="2" name="Groupe 1">
+            <a:extLst>
+              <a:ext uri="{FF2B5EF4-FFF2-40B4-BE49-F238E27FC236}">
+                <a16:creationId xmlns:a16="http://schemas.microsoft.com/office/drawing/2014/main" id="{69E8C4C7-B48F-4F8E-BA57-183F8B7DB175}"/>
               </a:ext>
             </a:extLst>
           </p:cNvPr>
@@ -3951,112 +4311,109 @@
         </p:nvGrpSpPr>
         <p:grpSpPr>
           <a:xfrm>
-            <a:off x="4997811" y="1463601"/>
-            <a:ext cx="1910081" cy="2291959"/>
-            <a:chOff x="5949219" y="1339712"/>
-            <a:chExt cx="1910081" cy="2291959"/>
+            <a:off x="232881" y="1404533"/>
+            <a:ext cx="6762292" cy="2434755"/>
+            <a:chOff x="232881" y="1404533"/>
+            <a:chExt cx="6762292" cy="2434755"/>
           </a:xfrm>
         </p:grpSpPr>
-        <p:pic>
-          <p:nvPicPr>
-            <p:cNvPr id="10" name="Image 9">
+        <p:cxnSp>
+          <p:nvCxnSpPr>
+            <p:cNvPr id="12" name="Connecteur droit avec flèche 11">
               <a:extLst>
                 <a:ext uri="{FF2B5EF4-FFF2-40B4-BE49-F238E27FC236}">
-                  <a16:creationId xmlns:a16="http://schemas.microsoft.com/office/drawing/2014/main" id="{E2883E6C-FC94-4508-BF03-50C871BE8D26}"/>
+                  <a16:creationId xmlns:a16="http://schemas.microsoft.com/office/drawing/2014/main" id="{3F652A17-EFFB-441B-A75E-0CF215AD72CA}"/>
                 </a:ext>
               </a:extLst>
             </p:cNvPr>
-            <p:cNvPicPr>
-              <a:picLocks noChangeAspect="1"/>
-            </p:cNvPicPr>
+            <p:cNvCxnSpPr>
+              <a:cxnSpLocks/>
+              <a:stCxn id="8" idx="3"/>
+              <a:endCxn id="4" idx="1"/>
+            </p:cNvCxnSpPr>
             <p:nvPr/>
-          </p:nvPicPr>
-          <p:blipFill rotWithShape="1">
-            <a:blip r:embed="rId3">
-              <a:extLst>
-                <a:ext uri="{28A0092B-C50C-407E-A947-70E740481C1C}">
-                  <a14:useLocalDpi xmlns:a14="http://schemas.microsoft.com/office/drawing/2010/main" val="0"/>
-                </a:ext>
-              </a:extLst>
-            </a:blip>
-            <a:srcRect l="3767" t="7301" r="68675" b="8887"/>
-            <a:stretch/>
-          </p:blipFill>
+          </p:nvCxnSpPr>
           <p:spPr>
             <a:xfrm>
-              <a:off x="5949219" y="1705880"/>
-              <a:ext cx="1910081" cy="1925791"/>
+              <a:off x="2226557" y="2782764"/>
+              <a:ext cx="241243" cy="7381"/>
             </a:xfrm>
-            <a:prstGeom prst="rect">
+            <a:prstGeom prst="straightConnector1">
               <a:avLst/>
             </a:prstGeom>
+            <a:ln w="19050">
+              <a:solidFill>
+                <a:schemeClr val="tx1"/>
+              </a:solidFill>
+              <a:tailEnd type="triangle"/>
+            </a:ln>
           </p:spPr>
-        </p:pic>
-        <p:sp>
-          <p:nvSpPr>
-            <p:cNvPr id="52" name="ZoneTexte 51">
+          <p:style>
+            <a:lnRef idx="1">
+              <a:schemeClr val="accent1"/>
+            </a:lnRef>
+            <a:fillRef idx="0">
+              <a:schemeClr val="accent1"/>
+            </a:fillRef>
+            <a:effectRef idx="0">
+              <a:schemeClr val="accent1"/>
+            </a:effectRef>
+            <a:fontRef idx="minor">
+              <a:schemeClr val="tx1"/>
+            </a:fontRef>
+          </p:style>
+        </p:cxnSp>
+        <p:cxnSp>
+          <p:nvCxnSpPr>
+            <p:cNvPr id="14" name="Connecteur droit avec flèche 13">
               <a:extLst>
                 <a:ext uri="{FF2B5EF4-FFF2-40B4-BE49-F238E27FC236}">
-                  <a16:creationId xmlns:a16="http://schemas.microsoft.com/office/drawing/2014/main" id="{84801B8A-1216-4717-A55C-1CC5EDAB397F}"/>
+                  <a16:creationId xmlns:a16="http://schemas.microsoft.com/office/drawing/2014/main" id="{4FCF3AAE-18A1-471F-AEF7-1EDFD195AFC2}"/>
                 </a:ext>
               </a:extLst>
             </p:cNvPr>
-            <p:cNvSpPr txBox="1"/>
+            <p:cNvCxnSpPr>
+              <a:cxnSpLocks/>
+              <a:stCxn id="4" idx="3"/>
+            </p:cNvCxnSpPr>
             <p:nvPr/>
-          </p:nvSpPr>
+          </p:nvCxnSpPr>
           <p:spPr>
             <a:xfrm>
-              <a:off x="6163676" y="1339712"/>
-              <a:ext cx="1684211" cy="369332"/>
+              <a:off x="4347400" y="2790145"/>
+              <a:ext cx="650411" cy="2520"/>
             </a:xfrm>
-            <a:prstGeom prst="rect">
+            <a:prstGeom prst="straightConnector1">
               <a:avLst/>
             </a:prstGeom>
-            <a:noFill/>
+            <a:ln w="19050">
+              <a:solidFill>
+                <a:schemeClr val="tx1"/>
+              </a:solidFill>
+              <a:tailEnd type="triangle"/>
+            </a:ln>
           </p:spPr>
-          <p:txBody>
-            <a:bodyPr wrap="square" rtlCol="0">
-              <a:spAutoFit/>
-            </a:bodyPr>
-            <a:lstStyle/>
-            <a:p>
-              <a:r>
-                <a:rPr lang="en-US" dirty="0">
-                  <a:latin typeface="Times New Roman" panose="02020603050405020304" pitchFamily="18" charset="0"/>
-                  <a:cs typeface="Times New Roman" panose="02020603050405020304" pitchFamily="18" charset="0"/>
-                </a:rPr>
-                <a:t>Labeled image</a:t>
-              </a:r>
-            </a:p>
-          </p:txBody>
-        </p:sp>
-      </p:grpSp>
-      <p:grpSp>
-        <p:nvGrpSpPr>
-          <p:cNvPr id="62" name="Groupe 61">
-            <a:extLst>
-              <a:ext uri="{FF2B5EF4-FFF2-40B4-BE49-F238E27FC236}">
-                <a16:creationId xmlns:a16="http://schemas.microsoft.com/office/drawing/2014/main" id="{8765E8E6-A8A1-4509-BEA7-0C6FBAB87BBB}"/>
-              </a:ext>
-            </a:extLst>
-          </p:cNvPr>
-          <p:cNvGrpSpPr/>
-          <p:nvPr/>
-        </p:nvGrpSpPr>
-        <p:grpSpPr>
-          <a:xfrm>
-            <a:off x="2256717" y="4388587"/>
-            <a:ext cx="2301766" cy="2198984"/>
-            <a:chOff x="2796815" y="4616854"/>
-            <a:chExt cx="2301766" cy="2198984"/>
-          </a:xfrm>
-        </p:grpSpPr>
+          <p:style>
+            <a:lnRef idx="1">
+              <a:schemeClr val="accent1"/>
+            </a:lnRef>
+            <a:fillRef idx="0">
+              <a:schemeClr val="accent1"/>
+            </a:fillRef>
+            <a:effectRef idx="0">
+              <a:schemeClr val="accent1"/>
+            </a:effectRef>
+            <a:fontRef idx="minor">
+              <a:schemeClr val="tx1"/>
+            </a:fontRef>
+          </p:style>
+        </p:cxnSp>
         <p:grpSp>
           <p:nvGrpSpPr>
-            <p:cNvPr id="28" name="Groupe 27">
+            <p:cNvPr id="59" name="Groupe 58">
               <a:extLst>
                 <a:ext uri="{FF2B5EF4-FFF2-40B4-BE49-F238E27FC236}">
-                  <a16:creationId xmlns:a16="http://schemas.microsoft.com/office/drawing/2014/main" id="{7406F96E-A48E-49FA-B5FC-BEE587AD5260}"/>
+                  <a16:creationId xmlns:a16="http://schemas.microsoft.com/office/drawing/2014/main" id="{68B17A51-ACEB-45BC-B396-954268F0858F}"/>
                 </a:ext>
               </a:extLst>
             </p:cNvPr>
@@ -4065,18 +4422,18 @@
           </p:nvGrpSpPr>
           <p:grpSpPr>
             <a:xfrm>
-              <a:off x="2984053" y="4616854"/>
-              <a:ext cx="1927290" cy="1899919"/>
-              <a:chOff x="1423954" y="3286760"/>
-              <a:chExt cx="1927290" cy="1899919"/>
+              <a:off x="232881" y="1404533"/>
+              <a:ext cx="1993676" cy="2387130"/>
+              <a:chOff x="318546" y="1336547"/>
+              <a:chExt cx="1993676" cy="2387130"/>
             </a:xfrm>
           </p:grpSpPr>
           <p:pic>
             <p:nvPicPr>
-              <p:cNvPr id="20" name="Image 19">
+              <p:cNvPr id="8" name="Image 7">
                 <a:extLst>
                   <a:ext uri="{FF2B5EF4-FFF2-40B4-BE49-F238E27FC236}">
-                    <a16:creationId xmlns:a16="http://schemas.microsoft.com/office/drawing/2014/main" id="{3E79EFD8-1311-4F85-BB13-DDC5DB18EA5A}"/>
+                    <a16:creationId xmlns:a16="http://schemas.microsoft.com/office/drawing/2014/main" id="{7CEA66B4-9874-4175-9F8D-10CCA58E9AB5}"/>
                   </a:ext>
                 </a:extLst>
               </p:cNvPr>
@@ -4086,20 +4443,20 @@
               <p:nvPr/>
             </p:nvPicPr>
             <p:blipFill rotWithShape="1">
-              <a:blip r:embed="rId3">
+              <a:blip r:embed="rId2">
                 <a:extLst>
                   <a:ext uri="{28A0092B-C50C-407E-A947-70E740481C1C}">
                     <a14:useLocalDpi xmlns:a14="http://schemas.microsoft.com/office/drawing/2010/main" val="0"/>
                   </a:ext>
                 </a:extLst>
               </a:blip>
-              <a:srcRect l="37123" t="7868" r="34457" b="7624"/>
+              <a:srcRect l="70898" t="6653" r="1787" b="9957"/>
               <a:stretch/>
             </p:blipFill>
             <p:spPr>
               <a:xfrm>
-                <a:off x="1423954" y="3286760"/>
-                <a:ext cx="1927290" cy="1899919"/>
+                <a:off x="318546" y="1705879"/>
+                <a:ext cx="1993676" cy="2017798"/>
               </a:xfrm>
               <a:prstGeom prst="rect">
                 <a:avLst/>
@@ -4108,10 +4465,69 @@
           </p:pic>
           <p:sp>
             <p:nvSpPr>
-              <p:cNvPr id="21" name="Ellipse 20">
+              <p:cNvPr id="50" name="ZoneTexte 49">
                 <a:extLst>
                   <a:ext uri="{FF2B5EF4-FFF2-40B4-BE49-F238E27FC236}">
-                    <a16:creationId xmlns:a16="http://schemas.microsoft.com/office/drawing/2014/main" id="{55624602-33FB-4CF9-80AA-5358C1A53409}"/>
+                    <a16:creationId xmlns:a16="http://schemas.microsoft.com/office/drawing/2014/main" id="{C7BCFBBC-0675-4FF9-AAF5-1C912ADDDBE6}"/>
+                  </a:ext>
+                </a:extLst>
+              </p:cNvPr>
+              <p:cNvSpPr txBox="1"/>
+              <p:nvPr/>
+            </p:nvSpPr>
+            <p:spPr>
+              <a:xfrm>
+                <a:off x="644659" y="1336547"/>
+                <a:ext cx="1406285" cy="369332"/>
+              </a:xfrm>
+              <a:prstGeom prst="rect">
+                <a:avLst/>
+              </a:prstGeom>
+              <a:noFill/>
+            </p:spPr>
+            <p:txBody>
+              <a:bodyPr wrap="square" rtlCol="0">
+                <a:spAutoFit/>
+              </a:bodyPr>
+              <a:lstStyle/>
+              <a:p>
+                <a:r>
+                  <a:rPr lang="en-US" dirty="0">
+                    <a:latin typeface="Times New Roman" panose="02020603050405020304" pitchFamily="18" charset="0"/>
+                    <a:cs typeface="Times New Roman" panose="02020603050405020304" pitchFamily="18" charset="0"/>
+                  </a:rPr>
+                  <a:t>Raw image </a:t>
+                </a:r>
+              </a:p>
+            </p:txBody>
+          </p:sp>
+        </p:grpSp>
+        <p:grpSp>
+          <p:nvGrpSpPr>
+            <p:cNvPr id="60" name="Groupe 59">
+              <a:extLst>
+                <a:ext uri="{FF2B5EF4-FFF2-40B4-BE49-F238E27FC236}">
+                  <a16:creationId xmlns:a16="http://schemas.microsoft.com/office/drawing/2014/main" id="{19874304-F011-4255-8502-001FA7D3C27D}"/>
+                </a:ext>
+              </a:extLst>
+            </p:cNvPr>
+            <p:cNvGrpSpPr/>
+            <p:nvPr/>
+          </p:nvGrpSpPr>
+          <p:grpSpPr>
+            <a:xfrm>
+              <a:off x="2467800" y="1821490"/>
+              <a:ext cx="1932240" cy="1593495"/>
+              <a:chOff x="3007898" y="1700121"/>
+              <a:chExt cx="1932240" cy="1593495"/>
+            </a:xfrm>
+          </p:grpSpPr>
+          <p:sp>
+            <p:nvSpPr>
+              <p:cNvPr id="4" name="Rectangle 3">
+                <a:extLst>
+                  <a:ext uri="{FF2B5EF4-FFF2-40B4-BE49-F238E27FC236}">
+                    <a16:creationId xmlns:a16="http://schemas.microsoft.com/office/drawing/2014/main" id="{6C278B18-A19C-4F9E-AF4B-F92F07711454}"/>
                   </a:ext>
                 </a:extLst>
               </p:cNvPr>
@@ -4120,16 +4536,18 @@
             </p:nvSpPr>
             <p:spPr>
               <a:xfrm>
-                <a:off x="2387599" y="4693920"/>
-                <a:ext cx="223521" cy="193040"/>
+                <a:off x="3007898" y="2043936"/>
+                <a:ext cx="1879600" cy="1249680"/>
               </a:xfrm>
-              <a:prstGeom prst="ellipse">
+              <a:prstGeom prst="rect">
                 <a:avLst/>
               </a:prstGeom>
-              <a:noFill/>
-              <a:ln w="28575">
+              <a:solidFill>
+                <a:schemeClr val="tx1"/>
+              </a:solidFill>
+              <a:ln>
                 <a:solidFill>
-                  <a:srgbClr val="FF0000"/>
+                  <a:schemeClr val="tx1"/>
                 </a:solidFill>
               </a:ln>
             </p:spPr>
@@ -4154,17 +4572,59 @@
               <a:lstStyle/>
               <a:p>
                 <a:pPr algn="ctr"/>
-                <a:endParaRPr lang="en-US"/>
+                <a:endParaRPr lang="en-US">
+                  <a:solidFill>
+                    <a:schemeClr val="tx1"/>
+                  </a:solidFill>
+                </a:endParaRPr>
+              </a:p>
+            </p:txBody>
+          </p:sp>
+          <p:sp>
+            <p:nvSpPr>
+              <p:cNvPr id="51" name="ZoneTexte 50">
+                <a:extLst>
+                  <a:ext uri="{FF2B5EF4-FFF2-40B4-BE49-F238E27FC236}">
+                    <a16:creationId xmlns:a16="http://schemas.microsoft.com/office/drawing/2014/main" id="{34880739-169D-41C0-ADCF-66D565DCF1F6}"/>
+                  </a:ext>
+                </a:extLst>
+              </p:cNvPr>
+              <p:cNvSpPr txBox="1"/>
+              <p:nvPr/>
+            </p:nvSpPr>
+            <p:spPr>
+              <a:xfrm>
+                <a:off x="3174224" y="1700121"/>
+                <a:ext cx="1765914" cy="369332"/>
+              </a:xfrm>
+              <a:prstGeom prst="rect">
+                <a:avLst/>
+              </a:prstGeom>
+              <a:noFill/>
+            </p:spPr>
+            <p:txBody>
+              <a:bodyPr wrap="square" rtlCol="0">
+                <a:spAutoFit/>
+              </a:bodyPr>
+              <a:lstStyle/>
+              <a:p>
+                <a:r>
+                  <a:rPr lang="en-US" dirty="0">
+                    <a:latin typeface="Times New Roman" panose="02020603050405020304" pitchFamily="18" charset="0"/>
+                    <a:cs typeface="Times New Roman" panose="02020603050405020304" pitchFamily="18" charset="0"/>
+                  </a:rPr>
+                  <a:t>Neural Network</a:t>
+                </a:r>
               </a:p>
             </p:txBody>
           </p:sp>
         </p:grpSp>
         <p:sp>
           <p:nvSpPr>
-            <p:cNvPr id="53" name="ZoneTexte 52">
+            <p:cNvPr id="52" name="ZoneTexte 51">
               <a:extLst>
                 <a:ext uri="{FF2B5EF4-FFF2-40B4-BE49-F238E27FC236}">
-                  <a16:creationId xmlns:a16="http://schemas.microsoft.com/office/drawing/2014/main" id="{CBA7DB8F-5D04-41C2-822A-5BAA0E126471}"/>
+                  <a16:creationId xmlns:a16="http://schemas.microsoft.com/office/drawing/2014/main" id="{84801B8A-1216-4717-A55C-1CC5EDAB397F}"/>
                 </a:ext>
               </a:extLst>
             </p:cNvPr>
@@ -4173,8 +4633,8 @@
           </p:nvSpPr>
           <p:spPr>
             <a:xfrm>
-              <a:off x="2796815" y="6446506"/>
-              <a:ext cx="2301766" cy="369332"/>
+              <a:off x="5212268" y="1463601"/>
+              <a:ext cx="1684211" cy="369332"/>
             </a:xfrm>
             <a:prstGeom prst="rect">
               <a:avLst/>
@@ -4192,159 +4652,51 @@
                   <a:latin typeface="Times New Roman" panose="02020603050405020304" pitchFamily="18" charset="0"/>
                   <a:cs typeface="Times New Roman" panose="02020603050405020304" pitchFamily="18" charset="0"/>
                 </a:rPr>
-                <a:t>Corrected ground truth</a:t>
+                <a:t>Labeled image</a:t>
               </a:r>
             </a:p>
           </p:txBody>
         </p:sp>
+        <p:pic>
+          <p:nvPicPr>
+            <p:cNvPr id="3" name="Image 2">
+              <a:extLst>
+                <a:ext uri="{FF2B5EF4-FFF2-40B4-BE49-F238E27FC236}">
+                  <a16:creationId xmlns:a16="http://schemas.microsoft.com/office/drawing/2014/main" id="{39589857-D5BE-4743-B431-251103B17E38}"/>
+                </a:ext>
+              </a:extLst>
+            </p:cNvPr>
+            <p:cNvPicPr>
+              <a:picLocks noChangeAspect="1"/>
+            </p:cNvPicPr>
+            <p:nvPr/>
+          </p:nvPicPr>
+          <p:blipFill rotWithShape="1">
+            <a:blip r:embed="rId2">
+              <a:extLst>
+                <a:ext uri="{28A0092B-C50C-407E-A947-70E740481C1C}">
+                  <a14:useLocalDpi xmlns:a14="http://schemas.microsoft.com/office/drawing/2010/main" val="0"/>
+                </a:ext>
+              </a:extLst>
+            </a:blip>
+            <a:srcRect l="4076" t="7219" r="68025" b="8637"/>
+            <a:stretch/>
+          </p:blipFill>
+          <p:spPr>
+            <a:xfrm>
+              <a:off x="4977153" y="1821490"/>
+              <a:ext cx="2018020" cy="2017798"/>
+            </a:xfrm>
+            <a:prstGeom prst="rect">
+              <a:avLst/>
+            </a:prstGeom>
+          </p:spPr>
+        </p:pic>
       </p:grpSp>
-      <p:sp>
-        <p:nvSpPr>
-          <p:cNvPr id="54" name="ZoneTexte 53">
-            <a:extLst>
-              <a:ext uri="{FF2B5EF4-FFF2-40B4-BE49-F238E27FC236}">
-                <a16:creationId xmlns:a16="http://schemas.microsoft.com/office/drawing/2014/main" id="{6A871BE3-E790-4031-8EE1-40A899715556}"/>
-              </a:ext>
-            </a:extLst>
-          </p:cNvPr>
-          <p:cNvSpPr txBox="1"/>
-          <p:nvPr/>
-        </p:nvSpPr>
-        <p:spPr>
-          <a:xfrm>
-            <a:off x="8907247" y="5519302"/>
-            <a:ext cx="2365278" cy="369332"/>
-          </a:xfrm>
-          <a:prstGeom prst="rect">
-            <a:avLst/>
-          </a:prstGeom>
-          <a:noFill/>
-        </p:spPr>
-        <p:txBody>
-          <a:bodyPr wrap="square" rtlCol="0">
-            <a:spAutoFit/>
-          </a:bodyPr>
-          <a:lstStyle/>
-          <a:p>
-            <a:r>
-              <a:rPr lang="en-US" dirty="0">
-                <a:latin typeface="Times New Roman" panose="02020603050405020304" pitchFamily="18" charset="0"/>
-                <a:cs typeface="Times New Roman" panose="02020603050405020304" pitchFamily="18" charset="0"/>
-              </a:rPr>
-              <a:t>Performance evaluation</a:t>
-            </a:r>
-          </a:p>
-        </p:txBody>
-      </p:sp>
-      <p:pic>
-        <p:nvPicPr>
-          <p:cNvPr id="70" name="Image 69">
-            <a:extLst>
-              <a:ext uri="{FF2B5EF4-FFF2-40B4-BE49-F238E27FC236}">
-                <a16:creationId xmlns:a16="http://schemas.microsoft.com/office/drawing/2014/main" id="{2778A048-9A92-4B54-B032-21EF7B318A0A}"/>
-              </a:ext>
-            </a:extLst>
-          </p:cNvPr>
-          <p:cNvPicPr>
-            <a:picLocks noChangeAspect="1"/>
-          </p:cNvPicPr>
-          <p:nvPr/>
-        </p:nvPicPr>
-        <p:blipFill rotWithShape="1">
-          <a:blip r:embed="rId4">
-            <a:extLst>
-              <a:ext uri="{28A0092B-C50C-407E-A947-70E740481C1C}">
-                <a14:useLocalDpi xmlns:a14="http://schemas.microsoft.com/office/drawing/2010/main" val="0"/>
-              </a:ext>
-            </a:extLst>
-          </a:blip>
-          <a:srcRect l="16026" t="11815" r="14138" b="11815"/>
-          <a:stretch/>
-        </p:blipFill>
-        <p:spPr>
-          <a:xfrm>
-            <a:off x="10124674" y="3731524"/>
-            <a:ext cx="2046971" cy="1566963"/>
-          </a:xfrm>
-          <a:prstGeom prst="rect">
-            <a:avLst/>
-          </a:prstGeom>
-        </p:spPr>
-      </p:pic>
-      <p:pic>
-        <p:nvPicPr>
-          <p:cNvPr id="72" name="Image 71">
-            <a:extLst>
-              <a:ext uri="{FF2B5EF4-FFF2-40B4-BE49-F238E27FC236}">
-                <a16:creationId xmlns:a16="http://schemas.microsoft.com/office/drawing/2014/main" id="{FEAEA669-7727-4998-AD0D-39CE1AD7B14A}"/>
-              </a:ext>
-            </a:extLst>
-          </p:cNvPr>
-          <p:cNvPicPr>
-            <a:picLocks noChangeAspect="1"/>
-          </p:cNvPicPr>
-          <p:nvPr/>
-        </p:nvPicPr>
-        <p:blipFill rotWithShape="1">
-          <a:blip r:embed="rId5">
-            <a:extLst>
-              <a:ext uri="{28A0092B-C50C-407E-A947-70E740481C1C}">
-                <a14:useLocalDpi xmlns:a14="http://schemas.microsoft.com/office/drawing/2010/main" val="0"/>
-              </a:ext>
-            </a:extLst>
-          </a:blip>
-          <a:srcRect l="52500" t="56026" r="36287" b="12880"/>
-          <a:stretch/>
-        </p:blipFill>
-        <p:spPr>
-          <a:xfrm>
-            <a:off x="7984118" y="3559179"/>
-            <a:ext cx="2046970" cy="1892171"/>
-          </a:xfrm>
-          <a:prstGeom prst="rect">
-            <a:avLst/>
-          </a:prstGeom>
-        </p:spPr>
-      </p:pic>
-      <p:pic>
-        <p:nvPicPr>
-          <p:cNvPr id="74" name="Image 73">
-            <a:extLst>
-              <a:ext uri="{FF2B5EF4-FFF2-40B4-BE49-F238E27FC236}">
-                <a16:creationId xmlns:a16="http://schemas.microsoft.com/office/drawing/2014/main" id="{265B2741-38A5-4959-BF4F-CCD7D50E022E}"/>
-              </a:ext>
-            </a:extLst>
-          </p:cNvPr>
-          <p:cNvPicPr>
-            <a:picLocks noChangeAspect="1"/>
-          </p:cNvPicPr>
-          <p:nvPr/>
-        </p:nvPicPr>
-        <p:blipFill rotWithShape="1">
-          <a:blip r:embed="rId6">
-            <a:extLst>
-              <a:ext uri="{28A0092B-C50C-407E-A947-70E740481C1C}">
-                <a14:useLocalDpi xmlns:a14="http://schemas.microsoft.com/office/drawing/2010/main" val="0"/>
-              </a:ext>
-            </a:extLst>
-          </a:blip>
-          <a:srcRect l="8276" t="10412" r="51810" b="2726"/>
-          <a:stretch/>
-        </p:blipFill>
-        <p:spPr>
-          <a:xfrm>
-            <a:off x="10060378" y="1941798"/>
-            <a:ext cx="2148591" cy="1558609"/>
-          </a:xfrm>
-          <a:prstGeom prst="rect">
-            <a:avLst/>
-          </a:prstGeom>
-        </p:spPr>
-      </p:pic>
     </p:spTree>
     <p:extLst>
       <p:ext uri="{BB962C8B-B14F-4D97-AF65-F5344CB8AC3E}">
-        <p14:creationId xmlns:p14="http://schemas.microsoft.com/office/powerpoint/2010/main" val="1995840622"/>
+        <p14:creationId xmlns:p14="http://schemas.microsoft.com/office/powerpoint/2010/main" val="489943671"/>
       </p:ext>
     </p:extLst>
   </p:cSld>
